--- a/任务说明/第二次实验/实验三任务说明.pptx
+++ b/任务说明/第二次实验/实验三任务说明.pptx
@@ -2527,12 +2527,12 @@
           <a:graphicData uri="http://schemas.openxmlformats.org/presentationml/2006/ole">
             <mc:AlternateContent xmlns:mc="http://schemas.openxmlformats.org/markup-compatibility/2006">
               <mc:Choice xmlns:v="urn:schemas-microsoft-com:vml" Requires="v">
-                <p:oleObj spid="_x0000_s2074" r:id="rId3" imgW="6858000" imgH="48895" progId="MS_ClipArt_Gallery.5">
+                <p:oleObj r:id="rId2" imgW="6858000" imgH="48895" progId="MS_ClipArt_Gallery.5">
                   <p:embed/>
                 </p:oleObj>
               </mc:Choice>
               <mc:Fallback>
-                <p:oleObj r:id="rId3" imgW="6858000" imgH="48895" progId="MS_ClipArt_Gallery.5">
+                <p:oleObj r:id="rId2" imgW="6858000" imgH="48895" progId="MS_ClipArt_Gallery.5">
                   <p:embed/>
                   <p:pic>
                     <p:nvPicPr>
@@ -2541,7 +2541,7 @@
                       <p:nvPr/>
                     </p:nvPicPr>
                     <p:blipFill>
-                      <a:blip r:embed="rId4"/>
+                      <a:blip r:embed="rId3"/>
                       <a:stretch>
                         <a:fillRect/>
                       </a:stretch>
@@ -2813,12 +2813,12 @@
           <a:graphicData uri="http://schemas.openxmlformats.org/presentationml/2006/ole">
             <mc:AlternateContent xmlns:mc="http://schemas.openxmlformats.org/markup-compatibility/2006">
               <mc:Choice xmlns:v="urn:schemas-microsoft-com:vml" Requires="v">
-                <p:oleObj spid="_x0000_s2075" r:id="rId5" imgW="4006850" imgH="2857500" progId="MS_ClipArt_Gallery.2">
+                <p:oleObj r:id="rId4" imgW="4006850" imgH="2857500" progId="MS_ClipArt_Gallery.2">
                   <p:embed/>
                 </p:oleObj>
               </mc:Choice>
               <mc:Fallback>
-                <p:oleObj r:id="rId5" imgW="4006850" imgH="2857500" progId="MS_ClipArt_Gallery.2">
+                <p:oleObj r:id="rId4" imgW="4006850" imgH="2857500" progId="MS_ClipArt_Gallery.2">
                   <p:embed/>
                   <p:pic>
                     <p:nvPicPr>
@@ -2827,7 +2827,7 @@
                       <p:nvPr/>
                     </p:nvPicPr>
                     <p:blipFill>
-                      <a:blip r:embed="rId6"/>
+                      <a:blip r:embed="rId5"/>
                       <a:stretch>
                         <a:fillRect/>
                       </a:stretch>
@@ -2867,12 +2867,12 @@
           <a:graphicData uri="http://schemas.openxmlformats.org/presentationml/2006/ole">
             <mc:AlternateContent xmlns:mc="http://schemas.openxmlformats.org/markup-compatibility/2006">
               <mc:Choice xmlns:v="urn:schemas-microsoft-com:vml" Requires="v">
-                <p:oleObj spid="_x0000_s2076" r:id="rId7" imgW="6858000" imgH="48895" progId="MS_ClipArt_Gallery.5">
+                <p:oleObj r:id="rId6" imgW="6858000" imgH="48895" progId="MS_ClipArt_Gallery.5">
                   <p:embed/>
                 </p:oleObj>
               </mc:Choice>
               <mc:Fallback>
-                <p:oleObj r:id="rId7" imgW="6858000" imgH="48895" progId="MS_ClipArt_Gallery.5">
+                <p:oleObj r:id="rId6" imgW="6858000" imgH="48895" progId="MS_ClipArt_Gallery.5">
                   <p:embed/>
                   <p:pic>
                     <p:nvPicPr>
@@ -2881,7 +2881,7 @@
                       <p:nvPr/>
                     </p:nvPicPr>
                     <p:blipFill>
-                      <a:blip r:embed="rId4"/>
+                      <a:blip r:embed="rId3"/>
                       <a:stretch>
                         <a:fillRect/>
                       </a:stretch>
@@ -3535,12 +3535,12 @@
           <a:graphicData uri="http://schemas.openxmlformats.org/presentationml/2006/ole">
             <mc:AlternateContent xmlns:mc="http://schemas.openxmlformats.org/markup-compatibility/2006">
               <mc:Choice xmlns:v="urn:schemas-microsoft-com:vml" Requires="v">
-                <p:oleObj spid="_x0000_s3082" r:id="rId3" imgW="6858000" imgH="48895" progId="MS_ClipArt_Gallery.5">
+                <p:oleObj r:id="rId2" imgW="6858000" imgH="48895" progId="MS_ClipArt_Gallery.5">
                   <p:embed/>
                 </p:oleObj>
               </mc:Choice>
               <mc:Fallback>
-                <p:oleObj r:id="rId3" imgW="6858000" imgH="48895" progId="MS_ClipArt_Gallery.5">
+                <p:oleObj r:id="rId2" imgW="6858000" imgH="48895" progId="MS_ClipArt_Gallery.5">
                   <p:embed/>
                   <p:pic>
                     <p:nvPicPr>
@@ -3549,7 +3549,7 @@
                       <p:nvPr/>
                     </p:nvPicPr>
                     <p:blipFill>
-                      <a:blip r:embed="rId4"/>
+                      <a:blip r:embed="rId3"/>
                       <a:stretch>
                         <a:fillRect/>
                       </a:stretch>
@@ -3922,12 +3922,12 @@
           <a:graphicData uri="http://schemas.openxmlformats.org/presentationml/2006/ole">
             <mc:AlternateContent xmlns:mc="http://schemas.openxmlformats.org/markup-compatibility/2006">
               <mc:Choice xmlns:v="urn:schemas-microsoft-com:vml" Requires="v">
-                <p:oleObj spid="_x0000_s4106" r:id="rId3" imgW="6858000" imgH="48895" progId="MS_ClipArt_Gallery.5">
+                <p:oleObj r:id="rId2" imgW="6858000" imgH="48895" progId="MS_ClipArt_Gallery.5">
                   <p:embed/>
                 </p:oleObj>
               </mc:Choice>
               <mc:Fallback>
-                <p:oleObj r:id="rId3" imgW="6858000" imgH="48895" progId="MS_ClipArt_Gallery.5">
+                <p:oleObj r:id="rId2" imgW="6858000" imgH="48895" progId="MS_ClipArt_Gallery.5">
                   <p:embed/>
                   <p:pic>
                     <p:nvPicPr>
@@ -3936,7 +3936,7 @@
                       <p:nvPr/>
                     </p:nvPicPr>
                     <p:blipFill>
-                      <a:blip r:embed="rId4"/>
+                      <a:blip r:embed="rId3"/>
                       <a:stretch>
                         <a:fillRect/>
                       </a:stretch>
@@ -4366,12 +4366,12 @@
           <a:graphicData uri="http://schemas.openxmlformats.org/presentationml/2006/ole">
             <mc:AlternateContent xmlns:mc="http://schemas.openxmlformats.org/markup-compatibility/2006">
               <mc:Choice xmlns:v="urn:schemas-microsoft-com:vml" Requires="v">
-                <p:oleObj spid="_x0000_s6170" r:id="rId3" imgW="6858000" imgH="48895" progId="MS_ClipArt_Gallery.5">
+                <p:oleObj r:id="rId2" imgW="6858000" imgH="48895" progId="MS_ClipArt_Gallery.5">
                   <p:embed/>
                 </p:oleObj>
               </mc:Choice>
               <mc:Fallback>
-                <p:oleObj r:id="rId3" imgW="6858000" imgH="48895" progId="MS_ClipArt_Gallery.5">
+                <p:oleObj r:id="rId2" imgW="6858000" imgH="48895" progId="MS_ClipArt_Gallery.5">
                   <p:embed/>
                   <p:pic>
                     <p:nvPicPr>
@@ -4380,7 +4380,7 @@
                       <p:nvPr/>
                     </p:nvPicPr>
                     <p:blipFill>
-                      <a:blip r:embed="rId4"/>
+                      <a:blip r:embed="rId3"/>
                       <a:stretch>
                         <a:fillRect/>
                       </a:stretch>
@@ -4652,12 +4652,12 @@
           <a:graphicData uri="http://schemas.openxmlformats.org/presentationml/2006/ole">
             <mc:AlternateContent xmlns:mc="http://schemas.openxmlformats.org/markup-compatibility/2006">
               <mc:Choice xmlns:v="urn:schemas-microsoft-com:vml" Requires="v">
-                <p:oleObj spid="_x0000_s6171" r:id="rId5" imgW="4006850" imgH="2857500" progId="MS_ClipArt_Gallery.2">
+                <p:oleObj r:id="rId4" imgW="4006850" imgH="2857500" progId="MS_ClipArt_Gallery.2">
                   <p:embed/>
                 </p:oleObj>
               </mc:Choice>
               <mc:Fallback>
-                <p:oleObj r:id="rId5" imgW="4006850" imgH="2857500" progId="MS_ClipArt_Gallery.2">
+                <p:oleObj r:id="rId4" imgW="4006850" imgH="2857500" progId="MS_ClipArt_Gallery.2">
                   <p:embed/>
                   <p:pic>
                     <p:nvPicPr>
@@ -4666,7 +4666,7 @@
                       <p:nvPr/>
                     </p:nvPicPr>
                     <p:blipFill>
-                      <a:blip r:embed="rId6"/>
+                      <a:blip r:embed="rId5"/>
                       <a:stretch>
                         <a:fillRect/>
                       </a:stretch>
@@ -4706,12 +4706,12 @@
           <a:graphicData uri="http://schemas.openxmlformats.org/presentationml/2006/ole">
             <mc:AlternateContent xmlns:mc="http://schemas.openxmlformats.org/markup-compatibility/2006">
               <mc:Choice xmlns:v="urn:schemas-microsoft-com:vml" Requires="v">
-                <p:oleObj spid="_x0000_s6172" r:id="rId7" imgW="6858000" imgH="48895" progId="MS_ClipArt_Gallery.5">
+                <p:oleObj r:id="rId6" imgW="6858000" imgH="48895" progId="MS_ClipArt_Gallery.5">
                   <p:embed/>
                 </p:oleObj>
               </mc:Choice>
               <mc:Fallback>
-                <p:oleObj r:id="rId7" imgW="6858000" imgH="48895" progId="MS_ClipArt_Gallery.5">
+                <p:oleObj r:id="rId6" imgW="6858000" imgH="48895" progId="MS_ClipArt_Gallery.5">
                   <p:embed/>
                   <p:pic>
                     <p:nvPicPr>
@@ -4720,7 +4720,7 @@
                       <p:nvPr/>
                     </p:nvPicPr>
                     <p:blipFill>
-                      <a:blip r:embed="rId4"/>
+                      <a:blip r:embed="rId3"/>
                       <a:stretch>
                         <a:fillRect/>
                       </a:stretch>
@@ -8423,12 +8423,12 @@
           <a:graphicData uri="http://schemas.openxmlformats.org/presentationml/2006/ole">
             <mc:AlternateContent xmlns:mc="http://schemas.openxmlformats.org/markup-compatibility/2006">
               <mc:Choice xmlns:v="urn:schemas-microsoft-com:vml" Requires="v">
-                <p:oleObj spid="_x0000_s7178" r:id="rId3" imgW="6858000" imgH="48895" progId="MS_ClipArt_Gallery.5">
+                <p:oleObj r:id="rId2" imgW="6858000" imgH="48895" progId="MS_ClipArt_Gallery.5">
                   <p:embed/>
                 </p:oleObj>
               </mc:Choice>
               <mc:Fallback>
-                <p:oleObj r:id="rId3" imgW="6858000" imgH="48895" progId="MS_ClipArt_Gallery.5">
+                <p:oleObj r:id="rId2" imgW="6858000" imgH="48895" progId="MS_ClipArt_Gallery.5">
                   <p:embed/>
                   <p:pic>
                     <p:nvPicPr>
@@ -8437,7 +8437,7 @@
                       <p:nvPr/>
                     </p:nvPicPr>
                     <p:blipFill>
-                      <a:blip r:embed="rId4"/>
+                      <a:blip r:embed="rId3"/>
                       <a:stretch>
                         <a:fillRect/>
                       </a:stretch>
@@ -8810,12 +8810,12 @@
           <a:graphicData uri="http://schemas.openxmlformats.org/presentationml/2006/ole">
             <mc:AlternateContent xmlns:mc="http://schemas.openxmlformats.org/markup-compatibility/2006">
               <mc:Choice xmlns:v="urn:schemas-microsoft-com:vml" Requires="v">
-                <p:oleObj spid="_x0000_s8202" r:id="rId3" imgW="6858000" imgH="48895" progId="MS_ClipArt_Gallery.5">
+                <p:oleObj r:id="rId2" imgW="6858000" imgH="48895" progId="MS_ClipArt_Gallery.5">
                   <p:embed/>
                 </p:oleObj>
               </mc:Choice>
               <mc:Fallback>
-                <p:oleObj r:id="rId3" imgW="6858000" imgH="48895" progId="MS_ClipArt_Gallery.5">
+                <p:oleObj r:id="rId2" imgW="6858000" imgH="48895" progId="MS_ClipArt_Gallery.5">
                   <p:embed/>
                   <p:pic>
                     <p:nvPicPr>
@@ -8824,7 +8824,7 @@
                       <p:nvPr/>
                     </p:nvPicPr>
                     <p:blipFill>
-                      <a:blip r:embed="rId4"/>
+                      <a:blip r:embed="rId3"/>
                       <a:stretch>
                         <a:fillRect/>
                       </a:stretch>
@@ -9254,12 +9254,12 @@
           <a:graphicData uri="http://schemas.openxmlformats.org/presentationml/2006/ole">
             <mc:AlternateContent xmlns:mc="http://schemas.openxmlformats.org/markup-compatibility/2006">
               <mc:Choice xmlns:v="urn:schemas-microsoft-com:vml" Requires="v">
-                <p:oleObj spid="_x0000_s10266" r:id="rId3" imgW="6858000" imgH="48895" progId="MS_ClipArt_Gallery.5">
+                <p:oleObj r:id="rId2" imgW="6858000" imgH="48895" progId="MS_ClipArt_Gallery.5">
                   <p:embed/>
                 </p:oleObj>
               </mc:Choice>
               <mc:Fallback>
-                <p:oleObj r:id="rId3" imgW="6858000" imgH="48895" progId="MS_ClipArt_Gallery.5">
+                <p:oleObj r:id="rId2" imgW="6858000" imgH="48895" progId="MS_ClipArt_Gallery.5">
                   <p:embed/>
                   <p:pic>
                     <p:nvPicPr>
@@ -9268,7 +9268,7 @@
                       <p:nvPr/>
                     </p:nvPicPr>
                     <p:blipFill>
-                      <a:blip r:embed="rId4"/>
+                      <a:blip r:embed="rId3"/>
                       <a:stretch>
                         <a:fillRect/>
                       </a:stretch>
@@ -9538,12 +9538,12 @@
           <a:graphicData uri="http://schemas.openxmlformats.org/presentationml/2006/ole">
             <mc:AlternateContent xmlns:mc="http://schemas.openxmlformats.org/markup-compatibility/2006">
               <mc:Choice xmlns:v="urn:schemas-microsoft-com:vml" Requires="v">
-                <p:oleObj spid="_x0000_s10267" r:id="rId5" imgW="4006850" imgH="2857500" progId="MS_ClipArt_Gallery.2">
+                <p:oleObj r:id="rId4" imgW="4006850" imgH="2857500" progId="MS_ClipArt_Gallery.2">
                   <p:embed/>
                 </p:oleObj>
               </mc:Choice>
               <mc:Fallback>
-                <p:oleObj r:id="rId5" imgW="4006850" imgH="2857500" progId="MS_ClipArt_Gallery.2">
+                <p:oleObj r:id="rId4" imgW="4006850" imgH="2857500" progId="MS_ClipArt_Gallery.2">
                   <p:embed/>
                   <p:pic>
                     <p:nvPicPr>
@@ -9552,7 +9552,7 @@
                       <p:nvPr/>
                     </p:nvPicPr>
                     <p:blipFill>
-                      <a:blip r:embed="rId6"/>
+                      <a:blip r:embed="rId5"/>
                       <a:stretch>
                         <a:fillRect/>
                       </a:stretch>
@@ -9592,12 +9592,12 @@
           <a:graphicData uri="http://schemas.openxmlformats.org/presentationml/2006/ole">
             <mc:AlternateContent xmlns:mc="http://schemas.openxmlformats.org/markup-compatibility/2006">
               <mc:Choice xmlns:v="urn:schemas-microsoft-com:vml" Requires="v">
-                <p:oleObj spid="_x0000_s10268" r:id="rId7" imgW="6858000" imgH="48895" progId="MS_ClipArt_Gallery.5">
+                <p:oleObj r:id="rId6" imgW="6858000" imgH="48895" progId="MS_ClipArt_Gallery.5">
                   <p:embed/>
                 </p:oleObj>
               </mc:Choice>
               <mc:Fallback>
-                <p:oleObj r:id="rId7" imgW="6858000" imgH="48895" progId="MS_ClipArt_Gallery.5">
+                <p:oleObj r:id="rId6" imgW="6858000" imgH="48895" progId="MS_ClipArt_Gallery.5">
                   <p:embed/>
                   <p:pic>
                     <p:nvPicPr>
@@ -9606,7 +9606,7 @@
                       <p:nvPr/>
                     </p:nvPicPr>
                     <p:blipFill>
-                      <a:blip r:embed="rId4"/>
+                      <a:blip r:embed="rId3"/>
                       <a:stretch>
                         <a:fillRect/>
                       </a:stretch>
@@ -13332,12 +13332,12 @@
           <a:graphicData uri="http://schemas.openxmlformats.org/presentationml/2006/ole">
             <mc:AlternateContent xmlns:mc="http://schemas.openxmlformats.org/markup-compatibility/2006">
               <mc:Choice xmlns:v="urn:schemas-microsoft-com:vml" Requires="v">
-                <p:oleObj spid="_x0000_s11274" r:id="rId3" imgW="6858000" imgH="48895" progId="MS_ClipArt_Gallery.5">
+                <p:oleObj r:id="rId2" imgW="6858000" imgH="48895" progId="MS_ClipArt_Gallery.5">
                   <p:embed/>
                 </p:oleObj>
               </mc:Choice>
               <mc:Fallback>
-                <p:oleObj r:id="rId3" imgW="6858000" imgH="48895" progId="MS_ClipArt_Gallery.5">
+                <p:oleObj r:id="rId2" imgW="6858000" imgH="48895" progId="MS_ClipArt_Gallery.5">
                   <p:embed/>
                   <p:pic>
                     <p:nvPicPr>
@@ -13346,7 +13346,7 @@
                       <p:nvPr/>
                     </p:nvPicPr>
                     <p:blipFill>
-                      <a:blip r:embed="rId4"/>
+                      <a:blip r:embed="rId3"/>
                       <a:stretch>
                         <a:fillRect/>
                       </a:stretch>
@@ -13719,12 +13719,12 @@
           <a:graphicData uri="http://schemas.openxmlformats.org/presentationml/2006/ole">
             <mc:AlternateContent xmlns:mc="http://schemas.openxmlformats.org/markup-compatibility/2006">
               <mc:Choice xmlns:v="urn:schemas-microsoft-com:vml" Requires="v">
-                <p:oleObj spid="_x0000_s12298" r:id="rId3" imgW="6858000" imgH="48895" progId="MS_ClipArt_Gallery.5">
+                <p:oleObj r:id="rId2" imgW="6858000" imgH="48895" progId="MS_ClipArt_Gallery.5">
                   <p:embed/>
                 </p:oleObj>
               </mc:Choice>
               <mc:Fallback>
-                <p:oleObj r:id="rId3" imgW="6858000" imgH="48895" progId="MS_ClipArt_Gallery.5">
+                <p:oleObj r:id="rId2" imgW="6858000" imgH="48895" progId="MS_ClipArt_Gallery.5">
                   <p:embed/>
                   <p:pic>
                     <p:nvPicPr>
@@ -13733,7 +13733,7 @@
                       <p:nvPr/>
                     </p:nvPicPr>
                     <p:blipFill>
-                      <a:blip r:embed="rId4"/>
+                      <a:blip r:embed="rId3"/>
                       <a:stretch>
                         <a:fillRect/>
                       </a:stretch>
@@ -16660,12 +16660,12 @@
           <a:graphicData uri="http://schemas.openxmlformats.org/presentationml/2006/ole">
             <mc:AlternateContent xmlns:mc="http://schemas.openxmlformats.org/markup-compatibility/2006">
               <mc:Choice xmlns:v="urn:schemas-microsoft-com:vml" Requires="v">
-                <p:oleObj spid="_x0000_s1034" r:id="rId16" imgW="6858000" imgH="48895" progId="MS_ClipArt_Gallery.5">
+                <p:oleObj r:id="rId15" imgW="6858000" imgH="48895" progId="MS_ClipArt_Gallery.5">
                   <p:embed/>
                 </p:oleObj>
               </mc:Choice>
               <mc:Fallback>
-                <p:oleObj r:id="rId16" imgW="6858000" imgH="48895" progId="MS_ClipArt_Gallery.5">
+                <p:oleObj r:id="rId15" imgW="6858000" imgH="48895" progId="MS_ClipArt_Gallery.5">
                   <p:embed/>
                   <p:pic>
                     <p:nvPicPr>
@@ -16674,7 +16674,7 @@
                       <p:nvPr/>
                     </p:nvPicPr>
                     <p:blipFill>
-                      <a:blip r:embed="rId17"/>
+                      <a:blip r:embed="rId16"/>
                       <a:stretch>
                         <a:fillRect/>
                       </a:stretch>
@@ -17525,12 +17525,12 @@
           <a:graphicData uri="http://schemas.openxmlformats.org/presentationml/2006/ole">
             <mc:AlternateContent xmlns:mc="http://schemas.openxmlformats.org/markup-compatibility/2006">
               <mc:Choice xmlns:v="urn:schemas-microsoft-com:vml" Requires="v">
-                <p:oleObj spid="_x0000_s5130" r:id="rId16" imgW="6858000" imgH="48895" progId="MS_ClipArt_Gallery.5">
+                <p:oleObj r:id="rId15" imgW="6858000" imgH="48895" progId="MS_ClipArt_Gallery.5">
                   <p:embed/>
                 </p:oleObj>
               </mc:Choice>
               <mc:Fallback>
-                <p:oleObj r:id="rId16" imgW="6858000" imgH="48895" progId="MS_ClipArt_Gallery.5">
+                <p:oleObj r:id="rId15" imgW="6858000" imgH="48895" progId="MS_ClipArt_Gallery.5">
                   <p:embed/>
                   <p:pic>
                     <p:nvPicPr>
@@ -17539,7 +17539,7 @@
                       <p:nvPr/>
                     </p:nvPicPr>
                     <p:blipFill>
-                      <a:blip r:embed="rId17"/>
+                      <a:blip r:embed="rId16"/>
                       <a:stretch>
                         <a:fillRect/>
                       </a:stretch>
@@ -18396,12 +18396,12 @@
           <a:graphicData uri="http://schemas.openxmlformats.org/presentationml/2006/ole">
             <mc:AlternateContent xmlns:mc="http://schemas.openxmlformats.org/markup-compatibility/2006">
               <mc:Choice xmlns:v="urn:schemas-microsoft-com:vml" Requires="v">
-                <p:oleObj spid="_x0000_s9226" r:id="rId16" imgW="6858000" imgH="48895" progId="MS_ClipArt_Gallery.5">
+                <p:oleObj r:id="rId15" imgW="6858000" imgH="48895" progId="MS_ClipArt_Gallery.5">
                   <p:embed/>
                 </p:oleObj>
               </mc:Choice>
               <mc:Fallback>
-                <p:oleObj r:id="rId16" imgW="6858000" imgH="48895" progId="MS_ClipArt_Gallery.5">
+                <p:oleObj r:id="rId15" imgW="6858000" imgH="48895" progId="MS_ClipArt_Gallery.5">
                   <p:embed/>
                   <p:pic>
                     <p:nvPicPr>
@@ -18410,7 +18410,7 @@
                       <p:nvPr/>
                     </p:nvPicPr>
                     <p:blipFill>
-                      <a:blip r:embed="rId17"/>
+                      <a:blip r:embed="rId16"/>
                       <a:stretch>
                         <a:fillRect/>
                       </a:stretch>
@@ -19083,16 +19083,6 @@
                 <a:ea typeface="微软雅黑" panose="020B0503020204020204" pitchFamily="34" charset="-122"/>
               </a:rPr>
             </a:br>
-            <a:r>
-              <a:rPr lang="en-US" altLang="zh-CN" sz="3200" b="1" i="1" dirty="0">
-                <a:solidFill>
-                  <a:srgbClr val="000000"/>
-                </a:solidFill>
-                <a:latin typeface="微软雅黑" panose="020B0503020204020204" pitchFamily="34" charset="-122"/>
-                <a:ea typeface="微软雅黑" panose="020B0503020204020204" pitchFamily="34" charset="-122"/>
-              </a:rPr>
-              <a:t/>
-            </a:r>
             <a:br>
               <a:rPr lang="en-US" altLang="zh-CN" sz="3200" b="1" i="1" dirty="0">
                 <a:solidFill>
@@ -19126,12 +19116,12 @@
           <a:graphicData uri="http://schemas.openxmlformats.org/presentationml/2006/ole">
             <mc:AlternateContent xmlns:mc="http://schemas.openxmlformats.org/markup-compatibility/2006">
               <mc:Choice xmlns:v="urn:schemas-microsoft-com:vml" Requires="v">
-                <p:oleObj spid="_x0000_s13322" r:id="rId4" imgW="6858000" imgH="48895" progId="MS_ClipArt_Gallery.5">
+                <p:oleObj r:id="rId3" imgW="6858000" imgH="48895" progId="MS_ClipArt_Gallery.5">
                   <p:embed/>
                 </p:oleObj>
               </mc:Choice>
               <mc:Fallback>
-                <p:oleObj r:id="rId4" imgW="6858000" imgH="48895" progId="MS_ClipArt_Gallery.5">
+                <p:oleObj r:id="rId3" imgW="6858000" imgH="48895" progId="MS_ClipArt_Gallery.5">
                   <p:embed/>
                   <p:pic>
                     <p:nvPicPr>
@@ -19140,7 +19130,7 @@
                       <p:nvPr/>
                     </p:nvPicPr>
                     <p:blipFill>
-                      <a:blip r:embed="rId5"/>
+                      <a:blip r:embed="rId4"/>
                       <a:stretch>
                         <a:fillRect/>
                       </a:stretch>
@@ -19348,7 +19338,7 @@
           <p:nvPr/>
         </p:nvPicPr>
         <p:blipFill>
-          <a:blip r:embed="rId6"/>
+          <a:blip r:embed="rId5"/>
           <a:stretch>
             <a:fillRect/>
           </a:stretch>
@@ -19376,7 +19366,7 @@
           <p:nvPr/>
         </p:nvPicPr>
         <p:blipFill>
-          <a:blip r:embed="rId7"/>
+          <a:blip r:embed="rId6"/>
           <a:stretch>
             <a:fillRect/>
           </a:stretch>
@@ -19568,27 +19558,7 @@
                 <a:latin typeface="微软雅黑" panose="020B0503020204020204" pitchFamily="34" charset="-122"/>
                 <a:ea typeface="微软雅黑" panose="020B0503020204020204" pitchFamily="34" charset="-122"/>
               </a:rPr>
-              <a:t>主讲教师</a:t>
-            </a:r>
-            <a:r>
-              <a:rPr lang="zh-CN" altLang="en-US" sz="2000" b="1" dirty="0" smtClean="0">
-                <a:solidFill>
-                  <a:srgbClr val="000000"/>
-                </a:solidFill>
-                <a:latin typeface="微软雅黑" panose="020B0503020204020204" pitchFamily="34" charset="-122"/>
-                <a:ea typeface="微软雅黑" panose="020B0503020204020204" pitchFamily="34" charset="-122"/>
-              </a:rPr>
-              <a:t>：</a:t>
-            </a:r>
-            <a:r>
-              <a:rPr lang="zh-CN" altLang="en-US" sz="2000" b="1" dirty="0">
-                <a:solidFill>
-                  <a:srgbClr val="000000"/>
-                </a:solidFill>
-                <a:latin typeface="微软雅黑" panose="020B0503020204020204" pitchFamily="34" charset="-122"/>
-                <a:ea typeface="微软雅黑" panose="020B0503020204020204" pitchFamily="34" charset="-122"/>
-              </a:rPr>
-              <a:t>黄虎杰</a:t>
+              <a:t>主讲教师：黄虎杰</a:t>
             </a:r>
             <a:endParaRPr lang="en-US" altLang="zh-CN" sz="2000" b="1" dirty="0">
               <a:solidFill>
@@ -19612,27 +19582,7 @@
                 <a:latin typeface="微软雅黑" panose="020B0503020204020204" pitchFamily="34" charset="-122"/>
                 <a:ea typeface="微软雅黑" panose="020B0503020204020204" pitchFamily="34" charset="-122"/>
               </a:rPr>
-              <a:t>实验教师</a:t>
-            </a:r>
-            <a:r>
-              <a:rPr lang="zh-CN" altLang="en-US" sz="2000" b="1" dirty="0" smtClean="0">
-                <a:solidFill>
-                  <a:srgbClr val="000000"/>
-                </a:solidFill>
-                <a:latin typeface="微软雅黑" panose="020B0503020204020204" pitchFamily="34" charset="-122"/>
-                <a:ea typeface="微软雅黑" panose="020B0503020204020204" pitchFamily="34" charset="-122"/>
-              </a:rPr>
-              <a:t>：徐</a:t>
-            </a:r>
-            <a:r>
-              <a:rPr lang="zh-CN" altLang="en-US" sz="2000" b="1" dirty="0">
-                <a:solidFill>
-                  <a:srgbClr val="000000"/>
-                </a:solidFill>
-                <a:latin typeface="微软雅黑" panose="020B0503020204020204" pitchFamily="34" charset="-122"/>
-                <a:ea typeface="微软雅黑" panose="020B0503020204020204" pitchFamily="34" charset="-122"/>
-              </a:rPr>
-              <a:t>凡博</a:t>
+              <a:t>实验教师：徐凡博</a:t>
             </a:r>
             <a:endParaRPr lang="en-US" altLang="zh-CN" sz="2000" b="1" dirty="0">
               <a:solidFill>
@@ -19656,25 +19606,8 @@
                 <a:latin typeface="微软雅黑" panose="020B0503020204020204" pitchFamily="34" charset="-122"/>
                 <a:ea typeface="微软雅黑" panose="020B0503020204020204" pitchFamily="34" charset="-122"/>
               </a:rPr>
-              <a:t>助       教</a:t>
-            </a:r>
-            <a:r>
-              <a:rPr lang="zh-CN" altLang="en-US" sz="2000" b="1" dirty="0" smtClean="0">
-                <a:solidFill>
-                  <a:srgbClr val="000000"/>
-                </a:solidFill>
-                <a:latin typeface="微软雅黑" panose="020B0503020204020204" pitchFamily="34" charset="-122"/>
-                <a:ea typeface="微软雅黑" panose="020B0503020204020204" pitchFamily="34" charset="-122"/>
-              </a:rPr>
-              <a:t>：梁朗章</a:t>
-            </a:r>
-            <a:endParaRPr lang="zh-CN" altLang="en-US" sz="2000" b="1" dirty="0">
-              <a:solidFill>
-                <a:srgbClr val="000000"/>
-              </a:solidFill>
-              <a:latin typeface="微软雅黑" panose="020B0503020204020204" pitchFamily="34" charset="-122"/>
-              <a:ea typeface="微软雅黑" panose="020B0503020204020204" pitchFamily="34" charset="-122"/>
-            </a:endParaRPr>
+              <a:t>助       教：梁朗章</a:t>
+            </a:r>
           </a:p>
         </p:txBody>
       </p:sp>
@@ -19729,7 +19662,7 @@
                 <a:ea typeface="宋体" panose="02010600030101010101" pitchFamily="2" charset="-122"/>
                 <a:cs typeface="+mn-cs"/>
               </a:rPr>
-              <a:t>2021年4月16日星期五</a:t>
+              <a:t>2021年4月25日星期日</a:t>
             </a:fld>
             <a:endParaRPr kumimoji="0" lang="en-US" altLang="zh-CN" sz="1200" b="0" i="0" u="none" strike="noStrike" kern="1200" cap="none" spc="0" normalizeH="0" baseline="0" noProof="0" dirty="0">
               <a:ln>
@@ -20418,7 +20351,7 @@
                 <a:ea typeface="宋体" panose="02010600030101010101" pitchFamily="2" charset="-122"/>
                 <a:cs typeface="+mn-cs"/>
               </a:rPr>
-              <a:t>2021年4月16日星期五</a:t>
+              <a:t>2021年4月25日星期日</a:t>
             </a:fld>
             <a:endParaRPr kumimoji="0" lang="en-US" altLang="zh-CN" sz="1200" b="0" i="0" u="none" strike="noStrike" kern="1200" cap="none" spc="0" normalizeH="0" baseline="0" noProof="0" dirty="0">
               <a:ln>
@@ -21137,7 +21070,7 @@
                 <a:ea typeface="宋体" panose="02010600030101010101" pitchFamily="2" charset="-122"/>
                 <a:cs typeface="+mn-cs"/>
               </a:rPr>
-              <a:t>2021年4月16日星期五</a:t>
+              <a:t>2021年4月25日星期日</a:t>
             </a:fld>
             <a:endParaRPr kumimoji="0" lang="en-US" altLang="zh-CN" sz="1200" b="0" i="0" u="none" strike="noStrike" kern="1200" cap="none" spc="0" normalizeH="0" baseline="0" noProof="0" dirty="0">
               <a:ln>
@@ -21239,18 +21172,11 @@
               <a:t>实验室文件位置：</a:t>
             </a:r>
             <a:r>
-              <a:rPr lang="en-US" altLang="zh-CN" sz="2400">
-                <a:latin typeface="微软雅黑" panose="020B0503020204020204" pitchFamily="34" charset="-122"/>
-                <a:ea typeface="微软雅黑" panose="020B0503020204020204" pitchFamily="34" charset="-122"/>
-              </a:rPr>
-              <a:t>E</a:t>
-            </a:r>
-            <a:r>
-              <a:rPr lang="en-US" altLang="zh-CN" sz="2400" smtClean="0">
-                <a:latin typeface="微软雅黑" panose="020B0503020204020204" pitchFamily="34" charset="-122"/>
-                <a:ea typeface="微软雅黑" panose="020B0503020204020204" pitchFamily="34" charset="-122"/>
-              </a:rPr>
-              <a:t>:\2021</a:t>
+              <a:rPr lang="en-US" altLang="zh-CN" sz="2400" dirty="0">
+                <a:latin typeface="微软雅黑" panose="020B0503020204020204" pitchFamily="34" charset="-122"/>
+                <a:ea typeface="微软雅黑" panose="020B0503020204020204" pitchFamily="34" charset="-122"/>
+              </a:rPr>
+              <a:t>E:\2021</a:t>
             </a:r>
             <a:r>
               <a:rPr lang="zh-CN" altLang="en-US" sz="2400" dirty="0">
@@ -21697,7 +21623,7 @@
           <p:cNvPr id="6" name="Rectangle 3">
             <a:extLst>
               <a:ext uri="{FF2B5EF4-FFF2-40B4-BE49-F238E27FC236}">
-                <a16:creationId xmlns="" xmlns:a16="http://schemas.microsoft.com/office/drawing/2014/main" id="{DE776E46-EDE8-6D41-BDC1-9518B7D0BC84}"/>
+                <a16:creationId xmlns:a16="http://schemas.microsoft.com/office/drawing/2014/main" id="{DE776E46-EDE8-6D41-BDC1-9518B7D0BC84}"/>
               </a:ext>
             </a:extLst>
           </p:cNvPr>
@@ -22234,7 +22160,7 @@
           <p:cNvPr id="7" name="Rectangle 2">
             <a:extLst>
               <a:ext uri="{FF2B5EF4-FFF2-40B4-BE49-F238E27FC236}">
-                <a16:creationId xmlns="" xmlns:a16="http://schemas.microsoft.com/office/drawing/2014/main" id="{FC4AFEFC-4B5E-BB45-B669-39D65A4CDBC6}"/>
+                <a16:creationId xmlns:a16="http://schemas.microsoft.com/office/drawing/2014/main" id="{FC4AFEFC-4B5E-BB45-B669-39D65A4CDBC6}"/>
               </a:ext>
             </a:extLst>
           </p:cNvPr>
@@ -22266,7 +22192,7 @@
           <p:cNvPr id="8" name="图片 7">
             <a:extLst>
               <a:ext uri="{FF2B5EF4-FFF2-40B4-BE49-F238E27FC236}">
-                <a16:creationId xmlns="" xmlns:a16="http://schemas.microsoft.com/office/drawing/2014/main" id="{FF4CC9E8-EDD2-2941-8986-2C1447A143E6}"/>
+                <a16:creationId xmlns:a16="http://schemas.microsoft.com/office/drawing/2014/main" id="{FF4CC9E8-EDD2-2941-8986-2C1447A143E6}"/>
               </a:ext>
             </a:extLst>
           </p:cNvPr>
@@ -22305,7 +22231,7 @@
           <p:cNvPr id="9" name="文本框 8">
             <a:extLst>
               <a:ext uri="{FF2B5EF4-FFF2-40B4-BE49-F238E27FC236}">
-                <a16:creationId xmlns="" xmlns:a16="http://schemas.microsoft.com/office/drawing/2014/main" id="{96F7E617-865D-B644-882A-76F75CE3CA80}"/>
+                <a16:creationId xmlns:a16="http://schemas.microsoft.com/office/drawing/2014/main" id="{96F7E617-865D-B644-882A-76F75CE3CA80}"/>
               </a:ext>
             </a:extLst>
           </p:cNvPr>
@@ -23169,7 +23095,7 @@
                 <a:ea typeface="宋体" panose="02010600030101010101" pitchFamily="2" charset="-122"/>
                 <a:cs typeface="+mn-cs"/>
               </a:rPr>
-              <a:t>2021年4月16日星期五</a:t>
+              <a:t>2021年4月25日星期日</a:t>
             </a:fld>
             <a:endParaRPr kumimoji="0" lang="en-US" altLang="zh-CN" sz="1200" b="0" i="0" u="none" strike="noStrike" kern="1200" cap="none" spc="0" normalizeH="0" baseline="0" noProof="0" dirty="0">
               <a:ln>
@@ -23193,7 +23119,7 @@
           <p:cNvPr id="11" name="图片 10">
             <a:extLst>
               <a:ext uri="{FF2B5EF4-FFF2-40B4-BE49-F238E27FC236}">
-                <a16:creationId xmlns="" xmlns:a16="http://schemas.microsoft.com/office/drawing/2014/main" id="{A7588DA9-2879-8745-8CA2-BD179BF600F2}"/>
+                <a16:creationId xmlns:a16="http://schemas.microsoft.com/office/drawing/2014/main" id="{A7588DA9-2879-8745-8CA2-BD179BF600F2}"/>
               </a:ext>
             </a:extLst>
           </p:cNvPr>
@@ -23232,7 +23158,7 @@
           <p:cNvPr id="2" name="矩形 1">
             <a:extLst>
               <a:ext uri="{FF2B5EF4-FFF2-40B4-BE49-F238E27FC236}">
-                <a16:creationId xmlns="" xmlns:a16="http://schemas.microsoft.com/office/drawing/2014/main" id="{D74373C6-EF8C-3C47-B13E-0A29A434DCC0}"/>
+                <a16:creationId xmlns:a16="http://schemas.microsoft.com/office/drawing/2014/main" id="{D74373C6-EF8C-3C47-B13E-0A29A434DCC0}"/>
               </a:ext>
             </a:extLst>
           </p:cNvPr>
@@ -24340,7 +24266,7 @@
                 <a:ea typeface="宋体" panose="02010600030101010101" pitchFamily="2" charset="-122"/>
                 <a:cs typeface="+mn-cs"/>
               </a:rPr>
-              <a:t>2021年4月16日星期五</a:t>
+              <a:t>2021年4月25日星期日</a:t>
             </a:fld>
             <a:endParaRPr kumimoji="0" lang="en-US" altLang="zh-CN" sz="1200" b="0" i="0" u="none" strike="noStrike" kern="1200" cap="none" spc="0" normalizeH="0" baseline="0" noProof="0" dirty="0">
               <a:ln>
@@ -24364,7 +24290,7 @@
           <p:cNvPr id="11" name="图片 10">
             <a:extLst>
               <a:ext uri="{FF2B5EF4-FFF2-40B4-BE49-F238E27FC236}">
-                <a16:creationId xmlns="" xmlns:a16="http://schemas.microsoft.com/office/drawing/2014/main" id="{70FAECB5-5FEC-0C4A-87C3-94C83FCEBBFA}"/>
+                <a16:creationId xmlns:a16="http://schemas.microsoft.com/office/drawing/2014/main" id="{70FAECB5-5FEC-0C4A-87C3-94C83FCEBBFA}"/>
               </a:ext>
             </a:extLst>
           </p:cNvPr>
@@ -25199,7 +25125,7 @@
                 <a:ea typeface="宋体" panose="02010600030101010101" pitchFamily="2" charset="-122"/>
                 <a:cs typeface="+mn-cs"/>
               </a:rPr>
-              <a:t>2021年4月16日星期五</a:t>
+              <a:t>2021年4月25日星期日</a:t>
             </a:fld>
             <a:endParaRPr kumimoji="0" lang="en-US" altLang="zh-CN" sz="1200" b="0" i="0" u="none" strike="noStrike" kern="1200" cap="none" spc="0" normalizeH="0" baseline="0" noProof="0" dirty="0">
               <a:ln>
@@ -25394,7 +25320,7 @@
           <p:cNvPr id="13" name="图片 12">
             <a:extLst>
               <a:ext uri="{FF2B5EF4-FFF2-40B4-BE49-F238E27FC236}">
-                <a16:creationId xmlns="" xmlns:a16="http://schemas.microsoft.com/office/drawing/2014/main" id="{26529875-8C02-C943-A254-0DFAAFA54C8F}"/>
+                <a16:creationId xmlns:a16="http://schemas.microsoft.com/office/drawing/2014/main" id="{26529875-8C02-C943-A254-0DFAAFA54C8F}"/>
               </a:ext>
             </a:extLst>
           </p:cNvPr>
@@ -25433,7 +25359,7 @@
           <p:cNvPr id="14" name="图片 13">
             <a:extLst>
               <a:ext uri="{FF2B5EF4-FFF2-40B4-BE49-F238E27FC236}">
-                <a16:creationId xmlns="" xmlns:a16="http://schemas.microsoft.com/office/drawing/2014/main" id="{9F393380-FEB3-ED42-872E-7C8EE7497F2B}"/>
+                <a16:creationId xmlns:a16="http://schemas.microsoft.com/office/drawing/2014/main" id="{9F393380-FEB3-ED42-872E-7C8EE7497F2B}"/>
               </a:ext>
             </a:extLst>
           </p:cNvPr>
@@ -25988,7 +25914,7 @@
                 <a:ea typeface="宋体" panose="02010600030101010101" pitchFamily="2" charset="-122"/>
                 <a:cs typeface="+mn-cs"/>
               </a:rPr>
-              <a:t>2021年4月16日星期五</a:t>
+              <a:t>2021年4月25日星期日</a:t>
             </a:fld>
             <a:endParaRPr kumimoji="0" lang="en-US" altLang="zh-CN" sz="1200" b="0" i="0" u="none" strike="noStrike" kern="1200" cap="none" spc="0" normalizeH="0" baseline="0" noProof="0" dirty="0">
               <a:ln>
@@ -26367,7 +26293,7 @@
                 <a:ea typeface="宋体" panose="02010600030101010101" pitchFamily="2" charset="-122"/>
                 <a:cs typeface="+mn-cs"/>
               </a:rPr>
-              <a:t>2021年4月16日星期五</a:t>
+              <a:t>2021年4月25日星期日</a:t>
             </a:fld>
             <a:endParaRPr kumimoji="0" lang="en-US" altLang="zh-CN" sz="1200" b="0" i="0" u="none" strike="noStrike" kern="1200" cap="none" spc="0" normalizeH="0" baseline="0" noProof="0" dirty="0">
               <a:ln>
